--- a/presentation_material/presentation.pptx
+++ b/presentation_material/presentation.pptx
@@ -7,6 +7,19 @@
   <p:sldIdLst>
     <p:sldId id="256" r:id="rId2"/>
     <p:sldId id="257" r:id="rId3"/>
+    <p:sldId id="258" r:id="rId4"/>
+    <p:sldId id="259" r:id="rId5"/>
+    <p:sldId id="260" r:id="rId6"/>
+    <p:sldId id="261" r:id="rId7"/>
+    <p:sldId id="262" r:id="rId8"/>
+    <p:sldId id="263" r:id="rId9"/>
+    <p:sldId id="264" r:id="rId10"/>
+    <p:sldId id="265" r:id="rId11"/>
+    <p:sldId id="266" r:id="rId12"/>
+    <p:sldId id="267" r:id="rId13"/>
+    <p:sldId id="268" r:id="rId14"/>
+    <p:sldId id="269" r:id="rId15"/>
+    <p:sldId id="270" r:id="rId16"/>
   </p:sldIdLst>
   <p:sldSz cx="9144000" cy="5143500" type="screen16x9"/>
   <p:notesSz cx="6858000" cy="9144000"/>
@@ -3111,7 +3124,7 @@
             </a:pPr>
             <a:r>
               <a:rPr/>
-              <a:t>Histograma</a:t>
+              <a:t>DNQ Agents</a:t>
             </a:r>
           </a:p>
         </p:txBody>
@@ -3131,39 +3144,604 @@
           <a:bodyPr/>
           <a:lstStyle/>
           <a:p>
+            <a:pPr lvl="0"/>
+            <a:r>
+              <a:rPr/>
+              <a:t>Cauã</a:t>
+            </a:r>
+          </a:p>
+          <a:p>
+            <a:pPr lvl="0"/>
+            <a:r>
+              <a:rPr/>
+              <a:t>Guilherme</a:t>
+            </a:r>
+          </a:p>
+          <a:p>
+            <a:pPr lvl="0"/>
+            <a:r>
+              <a:rPr/>
+              <a:t>Felipe</a:t>
+            </a:r>
+          </a:p>
+        </p:txBody>
+      </p:sp>
+    </p:spTree>
+  </p:cSld>
+</p:sld>
+</file>
+
+<file path=ppt/slides/slide10.xml><?xml version="1.0" encoding="utf-8"?>
+<p:sld xmlns:a="http://schemas.openxmlformats.org/drawingml/2006/main" xmlns:r="http://schemas.openxmlformats.org/officeDocument/2006/relationships" xmlns:p="http://schemas.openxmlformats.org/presentationml/2006/main">
+  <p:cSld>
+    <p:spTree>
+      <p:nvGrpSpPr>
+        <p:cNvPr id="1" name=""/>
+        <p:cNvGrpSpPr/>
+        <p:nvPr/>
+      </p:nvGrpSpPr>
+      <p:grpSpPr>
+        <a:xfrm>
+          <a:off x="0" y="0"/>
+          <a:ext cx="0" cy="0"/>
+          <a:chOff x="0" y="0"/>
+          <a:chExt cx="0" cy="0"/>
+        </a:xfrm>
+      </p:grpSpPr>
+      <p:sp>
+        <p:nvSpPr>
+          <p:cNvPr id="2" name="Title 1"/>
+          <p:cNvSpPr>
+            <a:spLocks noGrp="1"/>
+          </p:cNvSpPr>
+          <p:nvPr>
+            <p:ph type="title"/>
+          </p:nvPr>
+        </p:nvSpPr>
+        <p:spPr/>
+        <p:txBody>
+          <a:bodyPr/>
+          <a:lstStyle/>
+          <a:p>
             <a:pPr lvl="0" indent="0" marL="0">
               <a:buNone/>
             </a:pPr>
             <a:r>
               <a:rPr/>
-              <a:t>O histograma é dos valores de hue da imagem</a:t>
-            </a:r>
-          </a:p>
+              <a:t>K-Means Clustering</a:t>
+            </a:r>
+          </a:p>
+        </p:txBody>
+      </p:sp>
+      <p:pic>
+        <p:nvPicPr>
+          <p:cNvPr descr=".\kmeans_presentation\flower\flower.png" id="0" name="Picture 1"/>
+          <p:cNvPicPr>
+            <a:picLocks noGrp="1" noChangeAspect="1"/>
+          </p:cNvPicPr>
+          <p:nvPr/>
+        </p:nvPicPr>
+        <p:blipFill>
+          <a:blip r:embed="rId2"/>
+          <a:stretch>
+            <a:fillRect/>
+          </a:stretch>
+        </p:blipFill>
+        <p:spPr bwMode="auto">
+          <a:xfrm>
+            <a:off x="2044700" y="1193800"/>
+            <a:ext cx="5041900" cy="2882900"/>
+          </a:xfrm>
+          <a:prstGeom prst="rect">
+            <a:avLst/>
+          </a:prstGeom>
+          <a:noFill/>
+          <a:ln w="9525">
+            <a:noFill/>
+            <a:headEnd/>
+            <a:tailEnd/>
+          </a:ln>
+        </p:spPr>
+      </p:pic>
+      <p:sp>
+        <p:nvSpPr>
+          <p:cNvPr id="1" name="TextBox 3"/>
+          <p:cNvSpPr txBox="1"/>
+          <p:nvPr/>
+        </p:nvSpPr>
+        <p:spPr>
+          <a:xfrm>
+            <a:off x="457200" y="4076700"/>
+            <a:ext cx="8229600" cy="508000"/>
+          </a:xfrm>
+          <a:prstGeom prst="rect">
+            <a:avLst/>
+          </a:prstGeom>
+          <a:noFill/>
+        </p:spPr>
+        <p:txBody>
+          <a:bodyPr/>
+          <a:lstStyle/>
+          <a:p>
+            <a:pPr lvl="0" indent="0" marL="0" algn="ctr">
+              <a:buNone/>
+            </a:pPr>
+            <a:r>
+              <a:rPr/>
+              <a:t>flower</a:t>
+            </a:r>
+          </a:p>
+        </p:txBody>
+      </p:sp>
+    </p:spTree>
+  </p:cSld>
+</p:sld>
+</file>
+
+<file path=ppt/slides/slide11.xml><?xml version="1.0" encoding="utf-8"?>
+<p:sld xmlns:a="http://schemas.openxmlformats.org/drawingml/2006/main" xmlns:r="http://schemas.openxmlformats.org/officeDocument/2006/relationships" xmlns:p="http://schemas.openxmlformats.org/presentationml/2006/main">
+  <p:cSld>
+    <p:spTree>
+      <p:nvGrpSpPr>
+        <p:cNvPr id="1" name=""/>
+        <p:cNvGrpSpPr/>
+        <p:nvPr/>
+      </p:nvGrpSpPr>
+      <p:grpSpPr>
+        <a:xfrm>
+          <a:off x="0" y="0"/>
+          <a:ext cx="0" cy="0"/>
+          <a:chOff x="0" y="0"/>
+          <a:chExt cx="0" cy="0"/>
+        </a:xfrm>
+      </p:grpSpPr>
+      <p:sp>
+        <p:nvSpPr>
+          <p:cNvPr id="3" name="Content Placeholder 2"/>
+          <p:cNvSpPr>
+            <a:spLocks noGrp="1"/>
+          </p:cNvSpPr>
+          <p:nvPr>
+            <p:ph idx="1"/>
+          </p:nvPr>
+        </p:nvSpPr>
+        <p:spPr/>
+        <p:txBody>
+          <a:bodyPr/>
+          <a:lstStyle/>
           <a:p>
             <a:pPr lvl="0" indent="0" marL="0">
               <a:buNone/>
             </a:pPr>
             <a:r>
               <a:rPr/>
-              <a:t>Os pontos são os valores de hue dos centros do k-means</a:t>
-            </a:r>
-          </a:p>
+              <a:t> flower_palette</a:t>
+            </a:r>
+          </a:p>
+        </p:txBody>
+      </p:sp>
+    </p:spTree>
+  </p:cSld>
+</p:sld>
+</file>
+
+<file path=ppt/slides/slide12.xml><?xml version="1.0" encoding="utf-8"?>
+<p:sld xmlns:a="http://schemas.openxmlformats.org/drawingml/2006/main" xmlns:r="http://schemas.openxmlformats.org/officeDocument/2006/relationships" xmlns:p="http://schemas.openxmlformats.org/presentationml/2006/main">
+  <p:cSld>
+    <p:spTree>
+      <p:nvGrpSpPr>
+        <p:cNvPr id="1" name=""/>
+        <p:cNvGrpSpPr/>
+        <p:nvPr/>
+      </p:nvGrpSpPr>
+      <p:grpSpPr>
+        <a:xfrm>
+          <a:off x="0" y="0"/>
+          <a:ext cx="0" cy="0"/>
+          <a:chOff x="0" y="0"/>
+          <a:chExt cx="0" cy="0"/>
+        </a:xfrm>
+      </p:grpSpPr>
+      <p:sp>
+        <p:nvSpPr>
+          <p:cNvPr id="2" name="Title 1"/>
+          <p:cNvSpPr>
+            <a:spLocks noGrp="1"/>
+          </p:cNvSpPr>
+          <p:nvPr>
+            <p:ph type="title"/>
+          </p:nvPr>
+        </p:nvSpPr>
+        <p:spPr/>
+        <p:txBody>
+          <a:bodyPr/>
+          <a:lstStyle/>
           <a:p>
             <a:pPr lvl="0" indent="0" marL="0">
               <a:buNone/>
             </a:pPr>
             <a:r>
               <a:rPr/>
-              <a:t>Assim podemos tentar perceber como o k-means tenta extrair (agrupar) as cores presentes na imagem</a:t>
-            </a:r>
-          </a:p>
+              <a:t>K-Means Clustering</a:t>
+            </a:r>
+          </a:p>
+        </p:txBody>
+      </p:sp>
+      <p:pic>
+        <p:nvPicPr>
+          <p:cNvPr descr="fig:  .\kmeans_presentation\flower\histogram.png" id="0" name="Picture 1"/>
+          <p:cNvPicPr>
+            <a:picLocks noGrp="1" noChangeAspect="1"/>
+          </p:cNvPicPr>
+          <p:nvPr/>
+        </p:nvPicPr>
+        <p:blipFill>
+          <a:blip r:embed="rId2"/>
+          <a:stretch>
+            <a:fillRect/>
+          </a:stretch>
+        </p:blipFill>
+        <p:spPr bwMode="auto">
+          <a:xfrm>
+            <a:off x="2514600" y="1193800"/>
+            <a:ext cx="4114800" cy="2882900"/>
+          </a:xfrm>
+          <a:prstGeom prst="rect">
+            <a:avLst/>
+          </a:prstGeom>
+          <a:noFill/>
+          <a:ln w="9525">
+            <a:noFill/>
+            <a:headEnd/>
+            <a:tailEnd/>
+          </a:ln>
+        </p:spPr>
+      </p:pic>
+      <p:sp>
+        <p:nvSpPr>
+          <p:cNvPr id="1" name="TextBox 3"/>
+          <p:cNvSpPr txBox="1"/>
+          <p:nvPr/>
+        </p:nvSpPr>
+        <p:spPr>
+          <a:xfrm>
+            <a:off x="457200" y="4076700"/>
+            <a:ext cx="8229600" cy="508000"/>
+          </a:xfrm>
+          <a:prstGeom prst="rect">
+            <a:avLst/>
+          </a:prstGeom>
+          <a:noFill/>
+        </p:spPr>
+        <p:txBody>
+          <a:bodyPr/>
+          <a:lstStyle/>
+          <a:p>
+            <a:pPr lvl="0" indent="0" marL="0" algn="ctr">
+              <a:buNone/>
+            </a:pPr>
+            <a:r>
+              <a:rPr/>
+              <a:t>flower_dv</a:t>
+            </a:r>
+          </a:p>
+        </p:txBody>
+      </p:sp>
+    </p:spTree>
+  </p:cSld>
+</p:sld>
+</file>
+
+<file path=ppt/slides/slide13.xml><?xml version="1.0" encoding="utf-8"?>
+<p:sld xmlns:a="http://schemas.openxmlformats.org/drawingml/2006/main" xmlns:r="http://schemas.openxmlformats.org/officeDocument/2006/relationships" xmlns:p="http://schemas.openxmlformats.org/presentationml/2006/main">
+  <p:cSld>
+    <p:spTree>
+      <p:nvGrpSpPr>
+        <p:cNvPr id="1" name=""/>
+        <p:cNvGrpSpPr/>
+        <p:nvPr/>
+      </p:nvGrpSpPr>
+      <p:grpSpPr>
+        <a:xfrm>
+          <a:off x="0" y="0"/>
+          <a:ext cx="0" cy="0"/>
+          <a:chOff x="0" y="0"/>
+          <a:chExt cx="0" cy="0"/>
+        </a:xfrm>
+      </p:grpSpPr>
+      <p:sp>
+        <p:nvSpPr>
+          <p:cNvPr id="2" name="Title 1"/>
+          <p:cNvSpPr>
+            <a:spLocks noGrp="1"/>
+          </p:cNvSpPr>
+          <p:nvPr>
+            <p:ph type="title"/>
+          </p:nvPr>
+        </p:nvSpPr>
+        <p:spPr>
+          <a:xfrm>
+            <a:off x="457201" y="204787"/>
+            <a:ext cx="3008313" cy="871538"/>
+          </a:xfrm>
+        </p:spPr>
+        <p:txBody>
+          <a:bodyPr/>
+          <a:lstStyle/>
           <a:p>
             <a:pPr lvl="0" indent="0" marL="0">
               <a:buNone/>
             </a:pPr>
             <a:r>
               <a:rPr/>
-              <a:t>Também notamos que se a cor é pouco densa, apesar de poder ser considerada central para humanos, o k-means tende a ignorá-la</a:t>
+              <a:t>K-Means Clustering</a:t>
+            </a:r>
+          </a:p>
+        </p:txBody>
+      </p:sp>
+      <p:sp>
+        <p:nvSpPr>
+          <p:cNvPr id="4" name="Text Placeholder 3"/>
+          <p:cNvSpPr>
+            <a:spLocks noGrp="1"/>
+          </p:cNvSpPr>
+          <p:nvPr>
+            <p:ph idx="2" sz="half" type="body"/>
+          </p:nvPr>
+        </p:nvSpPr>
+        <p:spPr/>
+        <p:txBody>
+          <a:bodyPr/>
+          <a:lstStyle/>
+          <a:p>
+            <a:pPr lvl="0" indent="0" marL="0">
+              <a:spcBef>
+                <a:spcPts val="3000"/>
+              </a:spcBef>
+              <a:buNone/>
+            </a:pPr>
+            <a:r>
+              <a:rPr b="1"/>
+              <a:t>Avaliado num </a:t>
+            </a:r>
+            <a:r>
+              <a:rPr b="1" i="1"/>
+              <a:t>dataset</a:t>
+            </a:r>
+            <a:r>
+              <a:rPr b="1"/>
+              <a:t> de posters de filmes</a:t>
+            </a:r>
+          </a:p>
+        </p:txBody>
+      </p:sp>
+      <p:pic>
+        <p:nvPicPr>
+          <p:cNvPr descr="fig:  .\kmeans_presentation\evaluation\lasso_eval.png" id="0" name="Picture 1"/>
+          <p:cNvPicPr>
+            <a:picLocks noGrp="1" noChangeAspect="1"/>
+          </p:cNvPicPr>
+          <p:nvPr/>
+        </p:nvPicPr>
+        <p:blipFill>
+          <a:blip r:embed="rId2"/>
+          <a:stretch>
+            <a:fillRect/>
+          </a:stretch>
+        </p:blipFill>
+        <p:spPr bwMode="auto">
+          <a:xfrm>
+            <a:off x="3568700" y="355600"/>
+            <a:ext cx="5105400" cy="3556000"/>
+          </a:xfrm>
+          <a:prstGeom prst="rect">
+            <a:avLst/>
+          </a:prstGeom>
+          <a:noFill/>
+          <a:ln w="9525">
+            <a:noFill/>
+            <a:headEnd/>
+            <a:tailEnd/>
+          </a:ln>
+        </p:spPr>
+      </p:pic>
+      <p:sp>
+        <p:nvSpPr>
+          <p:cNvPr id="1" name="TextBox 3"/>
+          <p:cNvSpPr txBox="1"/>
+          <p:nvPr/>
+        </p:nvSpPr>
+        <p:spPr>
+          <a:xfrm>
+            <a:off x="3568700" y="4076700"/>
+            <a:ext cx="5105400" cy="508000"/>
+          </a:xfrm>
+          <a:prstGeom prst="rect">
+            <a:avLst/>
+          </a:prstGeom>
+          <a:noFill/>
+        </p:spPr>
+        <p:txBody>
+          <a:bodyPr/>
+          <a:lstStyle/>
+          <a:p>
+            <a:pPr lvl="0" indent="0" marL="0" algn="ctr">
+              <a:buNone/>
+            </a:pPr>
+            <a:r>
+              <a:rPr/>
+              <a:t>reg_eval</a:t>
+            </a:r>
+          </a:p>
+        </p:txBody>
+      </p:sp>
+    </p:spTree>
+  </p:cSld>
+</p:sld>
+</file>
+
+<file path=ppt/slides/slide14.xml><?xml version="1.0" encoding="utf-8"?>
+<p:sld xmlns:a="http://schemas.openxmlformats.org/drawingml/2006/main" xmlns:r="http://schemas.openxmlformats.org/officeDocument/2006/relationships" xmlns:p="http://schemas.openxmlformats.org/presentationml/2006/main">
+  <p:cSld>
+    <p:spTree>
+      <p:nvGrpSpPr>
+        <p:cNvPr id="1" name=""/>
+        <p:cNvGrpSpPr/>
+        <p:nvPr/>
+      </p:nvGrpSpPr>
+      <p:grpSpPr>
+        <a:xfrm>
+          <a:off x="0" y="0"/>
+          <a:ext cx="0" cy="0"/>
+          <a:chOff x="0" y="0"/>
+          <a:chExt cx="0" cy="0"/>
+        </a:xfrm>
+      </p:grpSpPr>
+      <p:sp>
+        <p:nvSpPr>
+          <p:cNvPr id="2" name="Title 1"/>
+          <p:cNvSpPr>
+            <a:spLocks noGrp="1"/>
+          </p:cNvSpPr>
+          <p:nvPr>
+            <p:ph type="title"/>
+          </p:nvPr>
+        </p:nvSpPr>
+        <p:spPr/>
+        <p:txBody>
+          <a:bodyPr/>
+          <a:lstStyle/>
+          <a:p>
+            <a:pPr lvl="0" indent="0" marL="0">
+              <a:buNone/>
+            </a:pPr>
+            <a:r>
+              <a:rPr/>
+              <a:t>K-Means Clustering</a:t>
+            </a:r>
+          </a:p>
+        </p:txBody>
+      </p:sp>
+      <mc:AlternateContent xmlns:mc="http://schemas.openxmlformats.org/markup-compatibility/2006">
+        <mc:Choice xmlns:a14="http://schemas.microsoft.com/office/drawing/2010/main" Requires="a14">
+          <p:sp>
+            <p:nvSpPr>
+              <p:cNvPr id="3" name="Content Placeholder 2"/>
+              <p:cNvSpPr>
+                <a:spLocks noGrp="1"/>
+              </p:cNvSpPr>
+              <p:nvPr>
+                <p:ph idx="1"/>
+              </p:nvPr>
+            </p:nvSpPr>
+            <p:spPr/>
+            <p:txBody>
+              <a:bodyPr/>
+              <a:lstStyle/>
+              <a:p>
+                <a:pPr lvl="0" indent="0" marL="0">
+                  <a:buNone/>
+                </a:pPr>
+                <a:r>
+                  <a:rPr/>
+                  <a:t>Escala 0-10</a:t>
+                </a:r>
+              </a:p>
+              <a:p>
+                <a:pPr lvl="0" indent="0" marL="0">
+                  <a:buNone/>
+                </a:pPr>
+                <a14:m>
+                  <m:oMathPara xmlns:m="http://schemas.openxmlformats.org/officeDocument/2006/math">
+                    <m:oMathParaPr>
+                      <m:jc m:val="center"/>
+                    </m:oMathParaPr>
+                    <m:oMath>
+                      <m:r>
+                        <m:rPr>
+                          <m:nor/>
+                          <m:sty m:val="p"/>
+                        </m:rPr>
+                        <m:t>score</m:t>
+                      </m:r>
+                      <m:r>
+                        <m:rPr>
+                          <m:sty m:val="p"/>
+                        </m:rPr>
+                        <m:t>=</m:t>
+                      </m:r>
+                      <m:r>
+                        <m:t>6.0</m:t>
+                      </m:r>
+                      <m:r>
+                        <m:rPr>
+                          <m:sty m:val="p"/>
+                        </m:rPr>
+                        <m:t>±</m:t>
+                      </m:r>
+                      <m:r>
+                        <m:t>0.1</m:t>
+                      </m:r>
+                    </m:oMath>
+                  </m:oMathPara>
+                </a14:m>
+              </a:p>
+              <a:p>
+                <a:pPr lvl="0" indent="0" marL="0">
+                  <a:buNone/>
+                </a:pPr>
+                <a:r>
+                  <a:rPr/>
+                  <a:t>Grande margem para aperfeiçoar (regressão &amp; K-Means)</a:t>
+                </a:r>
+              </a:p>
+            </p:txBody>
+          </p:sp>
+        </mc:Choice>
+      </mc:AlternateContent>
+    </p:spTree>
+  </p:cSld>
+</p:sld>
+</file>
+
+<file path=ppt/slides/slide15.xml><?xml version="1.0" encoding="utf-8"?>
+<p:sld xmlns:a="http://schemas.openxmlformats.org/drawingml/2006/main" xmlns:r="http://schemas.openxmlformats.org/officeDocument/2006/relationships" xmlns:p="http://schemas.openxmlformats.org/presentationml/2006/main">
+  <p:cSld>
+    <p:spTree>
+      <p:nvGrpSpPr>
+        <p:cNvPr id="1" name=""/>
+        <p:cNvGrpSpPr/>
+        <p:nvPr/>
+      </p:nvGrpSpPr>
+      <p:grpSpPr>
+        <a:xfrm>
+          <a:off x="0" y="0"/>
+          <a:ext cx="0" cy="0"/>
+          <a:chOff x="0" y="0"/>
+          <a:chExt cx="0" cy="0"/>
+        </a:xfrm>
+      </p:grpSpPr>
+      <p:sp>
+        <p:nvSpPr>
+          <p:cNvPr id="2" name="Title 1"/>
+          <p:cNvSpPr>
+            <a:spLocks noGrp="1"/>
+          </p:cNvSpPr>
+          <p:nvPr>
+            <p:ph type="title"/>
+          </p:nvPr>
+        </p:nvSpPr>
+        <p:spPr/>
+        <p:txBody>
+          <a:bodyPr/>
+          <a:lstStyle/>
+          <a:p>
+            <a:pPr lvl="0" indent="0" marL="0">
+              <a:buNone/>
+            </a:pPr>
+            <a:r>
+              <a:rPr/>
+              <a:t>Gerar paleta a partir de palavras</a:t>
             </a:r>
           </a:p>
         </p:txBody>
@@ -3210,7 +3788,7 @@
             </a:pPr>
             <a:r>
               <a:rPr/>
-              <a:t>K-means: avaliação</a:t>
+              <a:t>Proposta</a:t>
             </a:r>
           </a:p>
         </p:txBody>
@@ -3230,30 +3808,667 @@
           <a:bodyPr/>
           <a:lstStyle/>
           <a:p>
+            <a:pPr lvl="0"/>
+            <a:r>
+              <a:rPr/>
+              <a:t>Gerar paletas de cores para design de websites</a:t>
+            </a:r>
+          </a:p>
+          <a:p>
+            <a:pPr lvl="1"/>
+            <a:r>
+              <a:rPr/>
+              <a:t>Extração de paleta de imagens</a:t>
+            </a:r>
+          </a:p>
+          <a:p>
+            <a:pPr lvl="1"/>
+            <a:r>
+              <a:rPr/>
+              <a:t>Construir paleta a partir de palavras-chave</a:t>
+            </a:r>
+          </a:p>
+          <a:p>
+            <a:pPr lvl="1"/>
+            <a:r>
+              <a:rPr/>
+              <a:t>Emprego automático e funcional da paleta no layout do website</a:t>
+            </a:r>
+          </a:p>
+        </p:txBody>
+      </p:sp>
+    </p:spTree>
+  </p:cSld>
+</p:sld>
+</file>
+
+<file path=ppt/slides/slide3.xml><?xml version="1.0" encoding="utf-8"?>
+<p:sld xmlns:a="http://schemas.openxmlformats.org/drawingml/2006/main" xmlns:r="http://schemas.openxmlformats.org/officeDocument/2006/relationships" xmlns:p="http://schemas.openxmlformats.org/presentationml/2006/main">
+  <p:cSld>
+    <p:spTree>
+      <p:nvGrpSpPr>
+        <p:cNvPr id="1" name=""/>
+        <p:cNvGrpSpPr/>
+        <p:nvPr/>
+      </p:nvGrpSpPr>
+      <p:grpSpPr>
+        <a:xfrm>
+          <a:off x="0" y="0"/>
+          <a:ext cx="0" cy="0"/>
+          <a:chOff x="0" y="0"/>
+          <a:chExt cx="0" cy="0"/>
+        </a:xfrm>
+      </p:grpSpPr>
+      <p:sp>
+        <p:nvSpPr>
+          <p:cNvPr id="2" name="Title 1"/>
+          <p:cNvSpPr>
+            <a:spLocks noGrp="1"/>
+          </p:cNvSpPr>
+          <p:nvPr>
+            <p:ph type="title"/>
+          </p:nvPr>
+        </p:nvSpPr>
+        <p:spPr/>
+        <p:txBody>
+          <a:bodyPr/>
+          <a:lstStyle/>
+          <a:p>
             <a:pPr lvl="0" indent="0" marL="0">
               <a:buNone/>
             </a:pPr>
             <a:r>
               <a:rPr/>
-              <a:t>Usamos o regressor Lasso como avaliador para o desempenho do k-means na geração de paletes</a:t>
-            </a:r>
-          </a:p>
+              <a:t>Fase exploratória</a:t>
+            </a:r>
+          </a:p>
+        </p:txBody>
+      </p:sp>
+      <p:sp>
+        <p:nvSpPr>
+          <p:cNvPr id="3" name="Content Placeholder 2"/>
+          <p:cNvSpPr>
+            <a:spLocks noGrp="1"/>
+          </p:cNvSpPr>
+          <p:nvPr>
+            <p:ph idx="1"/>
+          </p:nvPr>
+        </p:nvSpPr>
+        <p:spPr/>
+        <p:txBody>
+          <a:bodyPr/>
+          <a:lstStyle/>
+          <a:p>
+            <a:pPr lvl="0"/>
+            <a:r>
+              <a:rPr/>
+              <a:t>Sandbox próprio com 3 ambientes distintos</a:t>
+            </a:r>
+          </a:p>
+          <a:p>
+            <a:pPr lvl="0"/>
+            <a:r>
+              <a:rPr/>
+              <a:t>Gerada a paleta, como aplicar da maneira mais eficiente ao website?</a:t>
+            </a:r>
+          </a:p>
+          <a:p>
+            <a:pPr lvl="1"/>
+            <a:r>
+              <a:rPr/>
+              <a:t>Como utilizar o contraste entre cores para ter um website funcional?</a:t>
+            </a:r>
+          </a:p>
+          <a:p>
+            <a:pPr lvl="1"/>
+            <a:r>
+              <a:rPr/>
+              <a:t>Como quantificar a qualidade da paleta?</a:t>
+            </a:r>
+          </a:p>
+          <a:p>
+            <a:pPr lvl="1"/>
+            <a:r>
+              <a:rPr/>
+              <a:t>Como escolher uma paleta que corresponde ao gosto do usuário?</a:t>
+            </a:r>
+          </a:p>
+        </p:txBody>
+      </p:sp>
+    </p:spTree>
+  </p:cSld>
+</p:sld>
+</file>
+
+<file path=ppt/slides/slide4.xml><?xml version="1.0" encoding="utf-8"?>
+<p:sld xmlns:a="http://schemas.openxmlformats.org/drawingml/2006/main" xmlns:r="http://schemas.openxmlformats.org/officeDocument/2006/relationships" xmlns:p="http://schemas.openxmlformats.org/presentationml/2006/main">
+  <p:cSld>
+    <p:spTree>
+      <p:nvGrpSpPr>
+        <p:cNvPr id="1" name=""/>
+        <p:cNvGrpSpPr/>
+        <p:nvPr/>
+      </p:nvGrpSpPr>
+      <p:grpSpPr>
+        <a:xfrm>
+          <a:off x="0" y="0"/>
+          <a:ext cx="0" cy="0"/>
+          <a:chOff x="0" y="0"/>
+          <a:chExt cx="0" cy="0"/>
+        </a:xfrm>
+      </p:grpSpPr>
+      <p:sp>
+        <p:nvSpPr>
+          <p:cNvPr id="2" name="Title 1"/>
+          <p:cNvSpPr>
+            <a:spLocks noGrp="1"/>
+          </p:cNvSpPr>
+          <p:nvPr>
+            <p:ph type="title"/>
+          </p:nvPr>
+        </p:nvSpPr>
+        <p:spPr/>
+        <p:txBody>
+          <a:bodyPr/>
+          <a:lstStyle/>
           <a:p>
             <a:pPr lvl="0" indent="0" marL="0">
               <a:buNone/>
             </a:pPr>
             <a:r>
               <a:rPr/>
-              <a:t>O k-means teve desempenho segundo o Lasso:</a:t>
-            </a:r>
-          </a:p>
+              <a:t>Datasets</a:t>
+            </a:r>
+          </a:p>
+        </p:txBody>
+      </p:sp>
+      <p:sp>
+        <p:nvSpPr>
+          <p:cNvPr id="3" name="Content Placeholder 2"/>
+          <p:cNvSpPr>
+            <a:spLocks noGrp="1"/>
+          </p:cNvSpPr>
+          <p:nvPr>
+            <p:ph idx="1"/>
+          </p:nvPr>
+        </p:nvSpPr>
+        <p:spPr/>
+        <p:txBody>
+          <a:bodyPr/>
+          <a:lstStyle/>
+          <a:p>
+            <a:pPr lvl="0"/>
+            <a:r>
+              <a:rPr/>
+              <a:t>“Color Compatibility From Large Datasets, Peter O’Donovan”</a:t>
+            </a:r>
+          </a:p>
+          <a:p>
+            <a:pPr lvl="0"/>
+            <a:r>
+              <a:rPr/>
+              <a:t>Avaliações dos usuários do site https://www.colourlovers.com/ para as paletas lá disponibilizadas</a:t>
+            </a:r>
+          </a:p>
+          <a:p>
+            <a:pPr lvl="0"/>
+            <a:r>
+              <a:rPr/>
+              <a:t>Algoritmo de regressão para avaliar o quão agradável uma paleta é</a:t>
+            </a:r>
+          </a:p>
+        </p:txBody>
+      </p:sp>
+    </p:spTree>
+  </p:cSld>
+</p:sld>
+</file>
+
+<file path=ppt/slides/slide5.xml><?xml version="1.0" encoding="utf-8"?>
+<p:sld xmlns:a="http://schemas.openxmlformats.org/drawingml/2006/main" xmlns:r="http://schemas.openxmlformats.org/officeDocument/2006/relationships" xmlns:p="http://schemas.openxmlformats.org/presentationml/2006/main">
+  <p:cSld>
+    <p:spTree>
+      <p:nvGrpSpPr>
+        <p:cNvPr id="1" name=""/>
+        <p:cNvGrpSpPr/>
+        <p:nvPr/>
+      </p:nvGrpSpPr>
+      <p:grpSpPr>
+        <a:xfrm>
+          <a:off x="0" y="0"/>
+          <a:ext cx="0" cy="0"/>
+          <a:chOff x="0" y="0"/>
+          <a:chExt cx="0" cy="0"/>
+        </a:xfrm>
+      </p:grpSpPr>
+      <p:sp>
+        <p:nvSpPr>
+          <p:cNvPr id="2" name="Title 1"/>
+          <p:cNvSpPr>
+            <a:spLocks noGrp="1"/>
+          </p:cNvSpPr>
+          <p:nvPr>
+            <p:ph type="title"/>
+          </p:nvPr>
+        </p:nvSpPr>
+        <p:spPr/>
+        <p:txBody>
+          <a:bodyPr/>
+          <a:lstStyle/>
           <a:p>
             <a:pPr lvl="0" indent="0" marL="0">
               <a:buNone/>
             </a:pPr>
             <a:r>
               <a:rPr/>
-              <a:t>Mean: 6.006428585840394 Standard deviation: 0.06439543644108417 Median: 6.0072620111283745</a:t>
+              <a:t>Regressão</a:t>
+            </a:r>
+          </a:p>
+        </p:txBody>
+      </p:sp>
+      <p:sp>
+        <p:nvSpPr>
+          <p:cNvPr id="3" name="Content Placeholder 2"/>
+          <p:cNvSpPr>
+            <a:spLocks noGrp="1"/>
+          </p:cNvSpPr>
+          <p:nvPr>
+            <p:ph idx="1"/>
+          </p:nvPr>
+        </p:nvSpPr>
+        <p:spPr/>
+        <p:txBody>
+          <a:bodyPr/>
+          <a:lstStyle/>
+          <a:p>
+            <a:pPr lvl="0"/>
+            <a:r>
+              <a:rPr/>
+              <a:t>Dada uma paleta, retornar um </a:t>
+            </a:r>
+            <a:r>
+              <a:rPr i="1"/>
+              <a:t>score</a:t>
+            </a:r>
+          </a:p>
+          <a:p>
+            <a:pPr lvl="0"/>
+            <a:r>
+              <a:rPr/>
+              <a:t>Algoritmo Lasso</a:t>
+            </a:r>
+          </a:p>
+          <a:p>
+            <a:pPr lvl="0"/>
+            <a:r>
+              <a:rPr i="1"/>
+              <a:t>Feature engineering</a:t>
+            </a:r>
+          </a:p>
+          <a:p>
+            <a:pPr lvl="1"/>
+            <a:r>
+              <a:rPr/>
+              <a:t>Diferentes espaços de cor: RGB, HSV</a:t>
+            </a:r>
+          </a:p>
+          <a:p>
+            <a:pPr lvl="1"/>
+            <a:r>
+              <a:rPr/>
+              <a:t>Cor média, desvio padrão</a:t>
+            </a:r>
+          </a:p>
+          <a:p>
+            <a:pPr lvl="1"/>
+            <a:r>
+              <a:rPr/>
+              <a:t>Pontuações normalizadas</a:t>
+            </a:r>
+          </a:p>
+          <a:p>
+            <a:pPr lvl="1"/>
+            <a:r>
+              <a:rPr/>
+              <a:t>Etc.</a:t>
+            </a:r>
+          </a:p>
+        </p:txBody>
+      </p:sp>
+    </p:spTree>
+  </p:cSld>
+</p:sld>
+</file>
+
+<file path=ppt/slides/slide6.xml><?xml version="1.0" encoding="utf-8"?>
+<p:sld xmlns:a="http://schemas.openxmlformats.org/drawingml/2006/main" xmlns:r="http://schemas.openxmlformats.org/officeDocument/2006/relationships" xmlns:p="http://schemas.openxmlformats.org/presentationml/2006/main">
+  <p:cSld>
+    <p:spTree>
+      <p:nvGrpSpPr>
+        <p:cNvPr id="1" name=""/>
+        <p:cNvGrpSpPr/>
+        <p:nvPr/>
+      </p:nvGrpSpPr>
+      <p:grpSpPr>
+        <a:xfrm>
+          <a:off x="0" y="0"/>
+          <a:ext cx="0" cy="0"/>
+          <a:chOff x="0" y="0"/>
+          <a:chExt cx="0" cy="0"/>
+        </a:xfrm>
+      </p:grpSpPr>
+      <p:sp>
+        <p:nvSpPr>
+          <p:cNvPr id="2" name="Title 1"/>
+          <p:cNvSpPr>
+            <a:spLocks noGrp="1"/>
+          </p:cNvSpPr>
+          <p:nvPr>
+            <p:ph type="title"/>
+          </p:nvPr>
+        </p:nvSpPr>
+        <p:spPr/>
+        <p:txBody>
+          <a:bodyPr/>
+          <a:lstStyle/>
+          <a:p>
+            <a:pPr lvl="0" indent="0" marL="0">
+              <a:buNone/>
+            </a:pPr>
+            <a:r>
+              <a:rPr/>
+              <a:t>K-Means Clustering</a:t>
+            </a:r>
+          </a:p>
+        </p:txBody>
+      </p:sp>
+      <p:sp>
+        <p:nvSpPr>
+          <p:cNvPr id="3" name="Content Placeholder 2"/>
+          <p:cNvSpPr>
+            <a:spLocks noGrp="1"/>
+          </p:cNvSpPr>
+          <p:nvPr>
+            <p:ph idx="1"/>
+          </p:nvPr>
+        </p:nvSpPr>
+        <p:spPr/>
+        <p:txBody>
+          <a:bodyPr/>
+          <a:lstStyle/>
+          <a:p>
+            <a:pPr lvl="0"/>
+            <a:r>
+              <a:rPr/>
+              <a:t>Dada uma imagem, agrupar 5 principais cores -&gt; Paleta</a:t>
+            </a:r>
+          </a:p>
+          <a:p>
+            <a:pPr lvl="0"/>
+            <a:r>
+              <a:rPr/>
+              <a:t>Avaliar desempenho com o regressor</a:t>
+            </a:r>
+          </a:p>
+        </p:txBody>
+      </p:sp>
+    </p:spTree>
+  </p:cSld>
+</p:sld>
+</file>
+
+<file path=ppt/slides/slide7.xml><?xml version="1.0" encoding="utf-8"?>
+<p:sld xmlns:a="http://schemas.openxmlformats.org/drawingml/2006/main" xmlns:r="http://schemas.openxmlformats.org/officeDocument/2006/relationships" xmlns:p="http://schemas.openxmlformats.org/presentationml/2006/main">
+  <p:cSld>
+    <p:spTree>
+      <p:nvGrpSpPr>
+        <p:cNvPr id="1" name=""/>
+        <p:cNvGrpSpPr/>
+        <p:nvPr/>
+      </p:nvGrpSpPr>
+      <p:grpSpPr>
+        <a:xfrm>
+          <a:off x="0" y="0"/>
+          <a:ext cx="0" cy="0"/>
+          <a:chOff x="0" y="0"/>
+          <a:chExt cx="0" cy="0"/>
+        </a:xfrm>
+      </p:grpSpPr>
+      <p:sp>
+        <p:nvSpPr>
+          <p:cNvPr id="2" name="Title 1"/>
+          <p:cNvSpPr>
+            <a:spLocks noGrp="1"/>
+          </p:cNvSpPr>
+          <p:nvPr>
+            <p:ph type="title"/>
+          </p:nvPr>
+        </p:nvSpPr>
+        <p:spPr/>
+        <p:txBody>
+          <a:bodyPr/>
+          <a:lstStyle/>
+          <a:p>
+            <a:pPr lvl="0" indent="0" marL="0">
+              <a:buNone/>
+            </a:pPr>
+            <a:r>
+              <a:rPr/>
+              <a:t>K-Means Clustering</a:t>
+            </a:r>
+          </a:p>
+        </p:txBody>
+      </p:sp>
+      <p:pic>
+        <p:nvPicPr>
+          <p:cNvPr descr=".\kmeans_presentation\china\china.png" id="0" name="Picture 1"/>
+          <p:cNvPicPr>
+            <a:picLocks noGrp="1" noChangeAspect="1"/>
+          </p:cNvPicPr>
+          <p:nvPr/>
+        </p:nvPicPr>
+        <p:blipFill>
+          <a:blip r:embed="rId2"/>
+          <a:stretch>
+            <a:fillRect/>
+          </a:stretch>
+        </p:blipFill>
+        <p:spPr bwMode="auto">
+          <a:xfrm>
+            <a:off x="2527300" y="1193800"/>
+            <a:ext cx="4089400" cy="2882900"/>
+          </a:xfrm>
+          <a:prstGeom prst="rect">
+            <a:avLst/>
+          </a:prstGeom>
+          <a:noFill/>
+          <a:ln w="9525">
+            <a:noFill/>
+            <a:headEnd/>
+            <a:tailEnd/>
+          </a:ln>
+        </p:spPr>
+      </p:pic>
+      <p:sp>
+        <p:nvSpPr>
+          <p:cNvPr id="1" name="TextBox 3"/>
+          <p:cNvSpPr txBox="1"/>
+          <p:nvPr/>
+        </p:nvSpPr>
+        <p:spPr>
+          <a:xfrm>
+            <a:off x="457200" y="4076700"/>
+            <a:ext cx="8229600" cy="508000"/>
+          </a:xfrm>
+          <a:prstGeom prst="rect">
+            <a:avLst/>
+          </a:prstGeom>
+          <a:noFill/>
+        </p:spPr>
+        <p:txBody>
+          <a:bodyPr/>
+          <a:lstStyle/>
+          <a:p>
+            <a:pPr lvl="0" indent="0" marL="0" algn="ctr">
+              <a:buNone/>
+            </a:pPr>
+            <a:r>
+              <a:rPr/>
+              <a:t>china</a:t>
+            </a:r>
+          </a:p>
+        </p:txBody>
+      </p:sp>
+    </p:spTree>
+  </p:cSld>
+</p:sld>
+</file>
+
+<file path=ppt/slides/slide8.xml><?xml version="1.0" encoding="utf-8"?>
+<p:sld xmlns:a="http://schemas.openxmlformats.org/drawingml/2006/main" xmlns:r="http://schemas.openxmlformats.org/officeDocument/2006/relationships" xmlns:p="http://schemas.openxmlformats.org/presentationml/2006/main">
+  <p:cSld>
+    <p:spTree>
+      <p:nvGrpSpPr>
+        <p:cNvPr id="1" name=""/>
+        <p:cNvGrpSpPr/>
+        <p:nvPr/>
+      </p:nvGrpSpPr>
+      <p:grpSpPr>
+        <a:xfrm>
+          <a:off x="0" y="0"/>
+          <a:ext cx="0" cy="0"/>
+          <a:chOff x="0" y="0"/>
+          <a:chExt cx="0" cy="0"/>
+        </a:xfrm>
+      </p:grpSpPr>
+      <p:sp>
+        <p:nvSpPr>
+          <p:cNvPr id="3" name="Content Placeholder 2"/>
+          <p:cNvSpPr>
+            <a:spLocks noGrp="1"/>
+          </p:cNvSpPr>
+          <p:nvPr>
+            <p:ph idx="1"/>
+          </p:nvPr>
+        </p:nvSpPr>
+        <p:spPr/>
+        <p:txBody>
+          <a:bodyPr/>
+          <a:lstStyle/>
+          <a:p>
+            <a:pPr lvl="0" indent="0" marL="0">
+              <a:buNone/>
+            </a:pPr>
+            <a:r>
+              <a:rPr/>
+              <a:t> china_palette</a:t>
+            </a:r>
+          </a:p>
+        </p:txBody>
+      </p:sp>
+    </p:spTree>
+  </p:cSld>
+</p:sld>
+</file>
+
+<file path=ppt/slides/slide9.xml><?xml version="1.0" encoding="utf-8"?>
+<p:sld xmlns:a="http://schemas.openxmlformats.org/drawingml/2006/main" xmlns:r="http://schemas.openxmlformats.org/officeDocument/2006/relationships" xmlns:p="http://schemas.openxmlformats.org/presentationml/2006/main">
+  <p:cSld>
+    <p:spTree>
+      <p:nvGrpSpPr>
+        <p:cNvPr id="1" name=""/>
+        <p:cNvGrpSpPr/>
+        <p:nvPr/>
+      </p:nvGrpSpPr>
+      <p:grpSpPr>
+        <a:xfrm>
+          <a:off x="0" y="0"/>
+          <a:ext cx="0" cy="0"/>
+          <a:chOff x="0" y="0"/>
+          <a:chExt cx="0" cy="0"/>
+        </a:xfrm>
+      </p:grpSpPr>
+      <p:sp>
+        <p:nvSpPr>
+          <p:cNvPr id="2" name="Title 1"/>
+          <p:cNvSpPr>
+            <a:spLocks noGrp="1"/>
+          </p:cNvSpPr>
+          <p:nvPr>
+            <p:ph type="title"/>
+          </p:nvPr>
+        </p:nvSpPr>
+        <p:spPr/>
+        <p:txBody>
+          <a:bodyPr/>
+          <a:lstStyle/>
+          <a:p>
+            <a:pPr lvl="0" indent="0" marL="0">
+              <a:buNone/>
+            </a:pPr>
+            <a:r>
+              <a:rPr/>
+              <a:t>K-Means Clustering</a:t>
+            </a:r>
+          </a:p>
+        </p:txBody>
+      </p:sp>
+      <p:pic>
+        <p:nvPicPr>
+          <p:cNvPr descr="fig:  .\kmeans_presentation\china\histogram.png" id="0" name="Picture 1"/>
+          <p:cNvPicPr>
+            <a:picLocks noGrp="1" noChangeAspect="1"/>
+          </p:cNvPicPr>
+          <p:nvPr/>
+        </p:nvPicPr>
+        <p:blipFill>
+          <a:blip r:embed="rId2"/>
+          <a:stretch>
+            <a:fillRect/>
+          </a:stretch>
+        </p:blipFill>
+        <p:spPr bwMode="auto">
+          <a:xfrm>
+            <a:off x="2514600" y="1193800"/>
+            <a:ext cx="4114800" cy="2882900"/>
+          </a:xfrm>
+          <a:prstGeom prst="rect">
+            <a:avLst/>
+          </a:prstGeom>
+          <a:noFill/>
+          <a:ln w="9525">
+            <a:noFill/>
+            <a:headEnd/>
+            <a:tailEnd/>
+          </a:ln>
+        </p:spPr>
+      </p:pic>
+      <p:sp>
+        <p:nvSpPr>
+          <p:cNvPr id="1" name="TextBox 3"/>
+          <p:cNvSpPr txBox="1"/>
+          <p:nvPr/>
+        </p:nvSpPr>
+        <p:spPr>
+          <a:xfrm>
+            <a:off x="457200" y="4076700"/>
+            <a:ext cx="8229600" cy="508000"/>
+          </a:xfrm>
+          <a:prstGeom prst="rect">
+            <a:avLst/>
+          </a:prstGeom>
+          <a:noFill/>
+        </p:spPr>
+        <p:txBody>
+          <a:bodyPr/>
+          <a:lstStyle/>
+          <a:p>
+            <a:pPr lvl="0" indent="0" marL="0" algn="ctr">
+              <a:buNone/>
+            </a:pPr>
+            <a:r>
+              <a:rPr/>
+              <a:t>china_dv</a:t>
             </a:r>
           </a:p>
         </p:txBody>
